--- a/docs/Telemetry-App Architecture Diagram.pptx
+++ b/docs/Telemetry-App Architecture Diagram.pptx
@@ -104,6 +104,11 @@
       </a:defRPr>
     </a:lvl9pPr>
   </p:defaultTextStyle>
+  <p:extLst>
+    <p:ext uri="{EFAFB233-063F-42B5-8137-9DF3F51BA10A}">
+      <p15:sldGuideLst xmlns:p15="http://schemas.microsoft.com/office/powerpoint/2012/main"/>
+    </p:ext>
+  </p:extLst>
 </p:presentation>
 </file>
 
@@ -256,7 +261,7 @@
           <a:p>
             <a:fld id="{3F7C0CF2-542F-487E-8BAE-CB502452BEC8}" type="datetimeFigureOut">
               <a:rPr lang="en-IE" smtClean="0"/>
-              <a:t>30/11/2021</a:t>
+              <a:t>01/12/2021</a:t>
             </a:fld>
             <a:endParaRPr lang="en-IE"/>
           </a:p>
@@ -456,7 +461,7 @@
           <a:p>
             <a:fld id="{3F7C0CF2-542F-487E-8BAE-CB502452BEC8}" type="datetimeFigureOut">
               <a:rPr lang="en-IE" smtClean="0"/>
-              <a:t>30/11/2021</a:t>
+              <a:t>01/12/2021</a:t>
             </a:fld>
             <a:endParaRPr lang="en-IE"/>
           </a:p>
@@ -666,7 +671,7 @@
           <a:p>
             <a:fld id="{3F7C0CF2-542F-487E-8BAE-CB502452BEC8}" type="datetimeFigureOut">
               <a:rPr lang="en-IE" smtClean="0"/>
-              <a:t>30/11/2021</a:t>
+              <a:t>01/12/2021</a:t>
             </a:fld>
             <a:endParaRPr lang="en-IE"/>
           </a:p>
@@ -866,7 +871,7 @@
           <a:p>
             <a:fld id="{3F7C0CF2-542F-487E-8BAE-CB502452BEC8}" type="datetimeFigureOut">
               <a:rPr lang="en-IE" smtClean="0"/>
-              <a:t>30/11/2021</a:t>
+              <a:t>01/12/2021</a:t>
             </a:fld>
             <a:endParaRPr lang="en-IE"/>
           </a:p>
@@ -1142,7 +1147,7 @@
           <a:p>
             <a:fld id="{3F7C0CF2-542F-487E-8BAE-CB502452BEC8}" type="datetimeFigureOut">
               <a:rPr lang="en-IE" smtClean="0"/>
-              <a:t>30/11/2021</a:t>
+              <a:t>01/12/2021</a:t>
             </a:fld>
             <a:endParaRPr lang="en-IE"/>
           </a:p>
@@ -1410,7 +1415,7 @@
           <a:p>
             <a:fld id="{3F7C0CF2-542F-487E-8BAE-CB502452BEC8}" type="datetimeFigureOut">
               <a:rPr lang="en-IE" smtClean="0"/>
-              <a:t>30/11/2021</a:t>
+              <a:t>01/12/2021</a:t>
             </a:fld>
             <a:endParaRPr lang="en-IE"/>
           </a:p>
@@ -1825,7 +1830,7 @@
           <a:p>
             <a:fld id="{3F7C0CF2-542F-487E-8BAE-CB502452BEC8}" type="datetimeFigureOut">
               <a:rPr lang="en-IE" smtClean="0"/>
-              <a:t>30/11/2021</a:t>
+              <a:t>01/12/2021</a:t>
             </a:fld>
             <a:endParaRPr lang="en-IE"/>
           </a:p>
@@ -1967,7 +1972,7 @@
           <a:p>
             <a:fld id="{3F7C0CF2-542F-487E-8BAE-CB502452BEC8}" type="datetimeFigureOut">
               <a:rPr lang="en-IE" smtClean="0"/>
-              <a:t>30/11/2021</a:t>
+              <a:t>01/12/2021</a:t>
             </a:fld>
             <a:endParaRPr lang="en-IE"/>
           </a:p>
@@ -2080,7 +2085,7 @@
           <a:p>
             <a:fld id="{3F7C0CF2-542F-487E-8BAE-CB502452BEC8}" type="datetimeFigureOut">
               <a:rPr lang="en-IE" smtClean="0"/>
-              <a:t>30/11/2021</a:t>
+              <a:t>01/12/2021</a:t>
             </a:fld>
             <a:endParaRPr lang="en-IE"/>
           </a:p>
@@ -2393,7 +2398,7 @@
           <a:p>
             <a:fld id="{3F7C0CF2-542F-487E-8BAE-CB502452BEC8}" type="datetimeFigureOut">
               <a:rPr lang="en-IE" smtClean="0"/>
-              <a:t>30/11/2021</a:t>
+              <a:t>01/12/2021</a:t>
             </a:fld>
             <a:endParaRPr lang="en-IE"/>
           </a:p>
@@ -2682,7 +2687,7 @@
           <a:p>
             <a:fld id="{3F7C0CF2-542F-487E-8BAE-CB502452BEC8}" type="datetimeFigureOut">
               <a:rPr lang="en-IE" smtClean="0"/>
-              <a:t>30/11/2021</a:t>
+              <a:t>01/12/2021</a:t>
             </a:fld>
             <a:endParaRPr lang="en-IE"/>
           </a:p>
@@ -2925,7 +2930,7 @@
           <a:p>
             <a:fld id="{3F7C0CF2-542F-487E-8BAE-CB502452BEC8}" type="datetimeFigureOut">
               <a:rPr lang="en-IE" smtClean="0"/>
-              <a:t>30/11/2021</a:t>
+              <a:t>01/12/2021</a:t>
             </a:fld>
             <a:endParaRPr lang="en-IE"/>
           </a:p>
@@ -6428,7 +6433,7 @@
         </p:nvGrpSpPr>
         <p:grpSpPr>
           <a:xfrm>
-            <a:off x="3643359" y="217610"/>
+            <a:off x="2789464" y="174632"/>
             <a:ext cx="6094708" cy="995896"/>
             <a:chOff x="3632904" y="261508"/>
             <a:chExt cx="6094708" cy="995896"/>
@@ -7701,48 +7706,6 @@
           </a:p>
         </p:txBody>
       </p:sp>
-      <p:cxnSp>
-        <p:nvCxnSpPr>
-          <p:cNvPr id="142" name="Connector: Elbow 141">
-            <a:extLst>
-              <a:ext uri="{FF2B5EF4-FFF2-40B4-BE49-F238E27FC236}">
-                <a16:creationId xmlns:a16="http://schemas.microsoft.com/office/drawing/2014/main" id="{F45303CD-0239-46BE-B691-3D75181ED0D2}"/>
-              </a:ext>
-            </a:extLst>
-          </p:cNvPr>
-          <p:cNvCxnSpPr>
-            <a:stCxn id="52" idx="3"/>
-            <a:endCxn id="97" idx="2"/>
-          </p:cNvCxnSpPr>
-          <p:nvPr/>
-        </p:nvCxnSpPr>
-        <p:spPr>
-          <a:xfrm flipV="1">
-            <a:off x="6063625" y="1213506"/>
-            <a:ext cx="627088" cy="1415097"/>
-          </a:xfrm>
-          <a:prstGeom prst="bentConnector2">
-            <a:avLst/>
-          </a:prstGeom>
-          <a:ln>
-            <a:tailEnd type="triangle"/>
-          </a:ln>
-        </p:spPr>
-        <p:style>
-          <a:lnRef idx="1">
-            <a:schemeClr val="dk1"/>
-          </a:lnRef>
-          <a:fillRef idx="0">
-            <a:schemeClr val="dk1"/>
-          </a:fillRef>
-          <a:effectRef idx="0">
-            <a:schemeClr val="dk1"/>
-          </a:effectRef>
-          <a:fontRef idx="minor">
-            <a:schemeClr val="tx1"/>
-          </a:fontRef>
-        </p:style>
-      </p:cxnSp>
       <p:cxnSp>
         <p:nvCxnSpPr>
           <p:cNvPr id="144" name="Connector: Elbow 143">
@@ -10179,8 +10142,8 @@
         </p:nvSpPr>
         <p:spPr bwMode="auto">
           <a:xfrm>
-            <a:off x="2660864" y="430271"/>
-            <a:ext cx="3098836" cy="230832"/>
+            <a:off x="2126359" y="420421"/>
+            <a:ext cx="3098836" cy="369332"/>
           </a:xfrm>
           <a:prstGeom prst="rect">
             <a:avLst/>
@@ -10318,7 +10281,20 @@
                 <a:latin typeface="Arial" panose="020B0604020202020204" pitchFamily="34" charset="0"/>
                 <a:cs typeface="Arial" panose="020B0604020202020204" pitchFamily="34" charset="0"/>
               </a:rPr>
-              <a:t>Environment specific resources (dev, staging, prod)</a:t>
+              <a:t>Environment specific resources</a:t>
+            </a:r>
+            <a:br>
+              <a:rPr lang="en-US" altLang="en-US" sz="900" b="1" dirty="0">
+                <a:latin typeface="Arial" panose="020B0604020202020204" pitchFamily="34" charset="0"/>
+                <a:cs typeface="Arial" panose="020B0604020202020204" pitchFamily="34" charset="0"/>
+              </a:rPr>
+            </a:br>
+            <a:r>
+              <a:rPr lang="en-US" altLang="en-US" sz="900" b="1" dirty="0">
+                <a:latin typeface="Arial" panose="020B0604020202020204" pitchFamily="34" charset="0"/>
+                <a:cs typeface="Arial" panose="020B0604020202020204" pitchFamily="34" charset="0"/>
+              </a:rPr>
+              <a:t> (dev, staging, prod)</a:t>
             </a:r>
           </a:p>
         </p:txBody>
@@ -11190,6 +11166,210 @@
           </p:style>
         </p:cxnSp>
       </p:grpSp>
+      <p:grpSp>
+        <p:nvGrpSpPr>
+          <p:cNvPr id="4" name="Group 3">
+            <a:extLst>
+              <a:ext uri="{FF2B5EF4-FFF2-40B4-BE49-F238E27FC236}">
+                <a16:creationId xmlns:a16="http://schemas.microsoft.com/office/drawing/2014/main" id="{9C299BD6-EC3D-49E6-8854-DDC331F11990}"/>
+              </a:ext>
+            </a:extLst>
+          </p:cNvPr>
+          <p:cNvGrpSpPr/>
+          <p:nvPr/>
+        </p:nvGrpSpPr>
+        <p:grpSpPr>
+          <a:xfrm>
+            <a:off x="6243041" y="434434"/>
+            <a:ext cx="1488445" cy="731365"/>
+            <a:chOff x="6441447" y="468938"/>
+            <a:chExt cx="1488445" cy="731365"/>
+          </a:xfrm>
+        </p:grpSpPr>
+        <p:pic>
+          <p:nvPicPr>
+            <p:cNvPr id="102" name="Graphic 17">
+              <a:extLst>
+                <a:ext uri="{FF2B5EF4-FFF2-40B4-BE49-F238E27FC236}">
+                  <a16:creationId xmlns:a16="http://schemas.microsoft.com/office/drawing/2014/main" id="{61122DC7-90DA-4215-83B4-7D4AEA5DF053}"/>
+                </a:ext>
+              </a:extLst>
+            </p:cNvPr>
+            <p:cNvPicPr>
+              <a:picLocks noChangeAspect="1" noChangeArrowheads="1"/>
+            </p:cNvPicPr>
+            <p:nvPr/>
+          </p:nvPicPr>
+          <p:blipFill>
+            <a:blip r:embed="rId27">
+              <a:extLst>
+                <a:ext uri="{28A0092B-C50C-407E-A947-70E740481C1C}">
+                  <a14:useLocalDpi xmlns:a14="http://schemas.microsoft.com/office/drawing/2010/main" val="0"/>
+                </a:ext>
+              </a:extLst>
+            </a:blip>
+            <a:srcRect/>
+            <a:stretch>
+              <a:fillRect/>
+            </a:stretch>
+          </p:blipFill>
+          <p:spPr bwMode="auto">
+            <a:xfrm>
+              <a:off x="6877094" y="468938"/>
+              <a:ext cx="493643" cy="493643"/>
+            </a:xfrm>
+            <a:prstGeom prst="rect">
+              <a:avLst/>
+            </a:prstGeom>
+            <a:noFill/>
+            <a:ln>
+              <a:noFill/>
+            </a:ln>
+            <a:extLst>
+              <a:ext uri="{909E8E84-426E-40DD-AFC4-6F175D3DCCD1}">
+                <a14:hiddenFill xmlns:a14="http://schemas.microsoft.com/office/drawing/2010/main">
+                  <a:solidFill>
+                    <a:srgbClr val="FFFFFF"/>
+                  </a:solidFill>
+                </a14:hiddenFill>
+              </a:ext>
+              <a:ext uri="{91240B29-F687-4F45-9708-019B960494DF}">
+                <a14:hiddenLine xmlns:a14="http://schemas.microsoft.com/office/drawing/2010/main" w="9525">
+                  <a:solidFill>
+                    <a:srgbClr val="000000"/>
+                  </a:solidFill>
+                  <a:miter lim="800000"/>
+                  <a:headEnd/>
+                  <a:tailEnd/>
+                </a14:hiddenLine>
+              </a:ext>
+            </a:extLst>
+          </p:spPr>
+        </p:pic>
+        <p:sp>
+          <p:nvSpPr>
+            <p:cNvPr id="103" name="TextBox 102">
+              <a:extLst>
+                <a:ext uri="{FF2B5EF4-FFF2-40B4-BE49-F238E27FC236}">
+                  <a16:creationId xmlns:a16="http://schemas.microsoft.com/office/drawing/2014/main" id="{149E2509-59A6-4CDB-AC7B-4E70392693D1}"/>
+                </a:ext>
+              </a:extLst>
+            </p:cNvPr>
+            <p:cNvSpPr txBox="1"/>
+            <p:nvPr/>
+          </p:nvSpPr>
+          <p:spPr>
+            <a:xfrm>
+              <a:off x="6441447" y="954082"/>
+              <a:ext cx="1488445" cy="246221"/>
+            </a:xfrm>
+            <a:prstGeom prst="rect">
+              <a:avLst/>
+            </a:prstGeom>
+            <a:noFill/>
+          </p:spPr>
+          <p:txBody>
+            <a:bodyPr wrap="square">
+              <a:spAutoFit/>
+            </a:bodyPr>
+            <a:lstStyle/>
+            <a:p>
+              <a:pPr algn="ctr" eaLnBrk="1" hangingPunct="1"/>
+              <a:r>
+                <a:rPr lang="en-US" altLang="en-US" sz="1000" dirty="0">
+                  <a:latin typeface="Arial" panose="020B0604020202020204" pitchFamily="34" charset="0"/>
+                  <a:cs typeface="Arial" panose="020B0604020202020204" pitchFamily="34" charset="0"/>
+                </a:rPr>
+                <a:t>CW: Log Group</a:t>
+              </a:r>
+            </a:p>
+          </p:txBody>
+        </p:sp>
+      </p:grpSp>
+      <p:cxnSp>
+        <p:nvCxnSpPr>
+          <p:cNvPr id="3" name="Straight Arrow Connector 2">
+            <a:extLst>
+              <a:ext uri="{FF2B5EF4-FFF2-40B4-BE49-F238E27FC236}">
+                <a16:creationId xmlns:a16="http://schemas.microsoft.com/office/drawing/2014/main" id="{C0CB028D-FBAE-40A5-B6AF-29B779A41D45}"/>
+              </a:ext>
+            </a:extLst>
+          </p:cNvPr>
+          <p:cNvCxnSpPr>
+            <a:stCxn id="52" idx="0"/>
+            <a:endCxn id="97" idx="2"/>
+          </p:cNvCxnSpPr>
+          <p:nvPr/>
+        </p:nvCxnSpPr>
+        <p:spPr>
+          <a:xfrm flipV="1">
+            <a:off x="5835025" y="1170528"/>
+            <a:ext cx="1793" cy="1229475"/>
+          </a:xfrm>
+          <a:prstGeom prst="straightConnector1">
+            <a:avLst/>
+          </a:prstGeom>
+          <a:ln>
+            <a:tailEnd type="triangle"/>
+          </a:ln>
+        </p:spPr>
+        <p:style>
+          <a:lnRef idx="1">
+            <a:schemeClr val="dk1"/>
+          </a:lnRef>
+          <a:fillRef idx="0">
+            <a:schemeClr val="dk1"/>
+          </a:fillRef>
+          <a:effectRef idx="0">
+            <a:schemeClr val="dk1"/>
+          </a:effectRef>
+          <a:fontRef idx="minor">
+            <a:schemeClr val="tx1"/>
+          </a:fontRef>
+        </p:style>
+      </p:cxnSp>
+      <p:cxnSp>
+        <p:nvCxnSpPr>
+          <p:cNvPr id="15" name="Connector: Elbow 14">
+            <a:extLst>
+              <a:ext uri="{FF2B5EF4-FFF2-40B4-BE49-F238E27FC236}">
+                <a16:creationId xmlns:a16="http://schemas.microsoft.com/office/drawing/2014/main" id="{5B50D175-AD56-4D50-B29B-C9078BF2BB31}"/>
+              </a:ext>
+            </a:extLst>
+          </p:cNvPr>
+          <p:cNvCxnSpPr>
+            <a:stCxn id="62" idx="0"/>
+            <a:endCxn id="103" idx="2"/>
+          </p:cNvCxnSpPr>
+          <p:nvPr/>
+        </p:nvCxnSpPr>
+        <p:spPr>
+          <a:xfrm rot="16200000" flipV="1">
+            <a:off x="7413838" y="739226"/>
+            <a:ext cx="1918877" cy="2772024"/>
+          </a:xfrm>
+          <a:prstGeom prst="bentConnector3">
+            <a:avLst/>
+          </a:prstGeom>
+          <a:ln>
+            <a:tailEnd type="triangle"/>
+          </a:ln>
+        </p:spPr>
+        <p:style>
+          <a:lnRef idx="1">
+            <a:schemeClr val="dk1"/>
+          </a:lnRef>
+          <a:fillRef idx="0">
+            <a:schemeClr val="dk1"/>
+          </a:fillRef>
+          <a:effectRef idx="0">
+            <a:schemeClr val="dk1"/>
+          </a:effectRef>
+          <a:fontRef idx="minor">
+            <a:schemeClr val="tx1"/>
+          </a:fontRef>
+        </p:style>
+      </p:cxnSp>
     </p:spTree>
     <p:extLst>
       <p:ext uri="{BB962C8B-B14F-4D97-AF65-F5344CB8AC3E}">
